--- a/WAD/lectures/150--Review.pptx
+++ b/WAD/lectures/150--Review.pptx
@@ -11,8 +11,8 @@
     <p:sldId id="256" r:id="rId2"/>
     <p:sldId id="257" r:id="rId3"/>
     <p:sldId id="258" r:id="rId4"/>
-    <p:sldId id="259" r:id="rId5"/>
-    <p:sldId id="260" r:id="rId6"/>
+    <p:sldId id="260" r:id="rId5"/>
+    <p:sldId id="259" r:id="rId6"/>
     <p:sldId id="261" r:id="rId7"/>
   </p:sldIdLst>
   <p:sldSz cx="9144000" cy="6858000" type="screen4x3"/>
@@ -278,7 +278,7 @@
         <p:nvSpPr>
           <p:cNvPr id="14340" name="Rectangle 4"/>
           <p:cNvSpPr>
-            <a:spLocks noRot="1" noChangeArrowheads="1" noTextEdit="1"/>
+            <a:spLocks noGrp="1" noRot="1" noChangeAspect="1" noChangeArrowheads="1" noTextEdit="1"/>
           </p:cNvSpPr>
           <p:nvPr>
             <p:ph type="sldImg" idx="2"/>
@@ -775,7 +775,7 @@
         <p:nvSpPr>
           <p:cNvPr id="15363" name="Rectangle 1"/>
           <p:cNvSpPr txBox="1">
-            <a:spLocks noChangeArrowheads="1" noTextEdit="1"/>
+            <a:spLocks noGrp="1" noRot="1" noChangeAspect="1" noChangeArrowheads="1" noTextEdit="1"/>
           </p:cNvSpPr>
           <p:nvPr>
             <p:ph type="sldImg"/>
@@ -792,7 +792,7 @@
         <p:nvSpPr>
           <p:cNvPr id="15364" name="Rectangle 2"/>
           <p:cNvSpPr txBox="1">
-            <a:spLocks noChangeArrowheads="1"/>
+            <a:spLocks noGrp="1" noChangeArrowheads="1"/>
           </p:cNvSpPr>
           <p:nvPr>
             <p:ph type="body" idx="1"/>
@@ -1012,7 +1012,7 @@
         <p:nvSpPr>
           <p:cNvPr id="16387" name="Rectangle 1"/>
           <p:cNvSpPr txBox="1">
-            <a:spLocks noChangeArrowheads="1" noTextEdit="1"/>
+            <a:spLocks noGrp="1" noRot="1" noChangeAspect="1" noChangeArrowheads="1" noTextEdit="1"/>
           </p:cNvSpPr>
           <p:nvPr>
             <p:ph type="sldImg"/>
@@ -1029,7 +1029,7 @@
         <p:nvSpPr>
           <p:cNvPr id="16388" name="Rectangle 2"/>
           <p:cNvSpPr txBox="1">
-            <a:spLocks noChangeArrowheads="1"/>
+            <a:spLocks noGrp="1" noChangeArrowheads="1"/>
           </p:cNvSpPr>
           <p:nvPr>
             <p:ph type="body" idx="1"/>
@@ -1249,7 +1249,7 @@
         <p:nvSpPr>
           <p:cNvPr id="17411" name="Rectangle 1"/>
           <p:cNvSpPr txBox="1">
-            <a:spLocks noChangeArrowheads="1" noTextEdit="1"/>
+            <a:spLocks noGrp="1" noRot="1" noChangeAspect="1" noChangeArrowheads="1" noTextEdit="1"/>
           </p:cNvSpPr>
           <p:nvPr>
             <p:ph type="sldImg"/>
@@ -1266,7 +1266,7 @@
         <p:nvSpPr>
           <p:cNvPr id="17412" name="Rectangle 2"/>
           <p:cNvSpPr txBox="1">
-            <a:spLocks noChangeArrowheads="1"/>
+            <a:spLocks noGrp="1" noChangeArrowheads="1"/>
           </p:cNvSpPr>
           <p:nvPr>
             <p:ph type="body" idx="1"/>
@@ -1342,7 +1342,7 @@
       </p:grpSpPr>
       <p:sp>
         <p:nvSpPr>
-          <p:cNvPr id="18434" name="Rectangle 7"/>
+          <p:cNvPr id="19458" name="Rectangle 7"/>
           <p:cNvSpPr>
             <a:spLocks noGrp="1" noChangeArrowheads="1"/>
           </p:cNvSpPr>
@@ -1473,7 +1473,7 @@
             </a:lvl9pPr>
           </a:lstStyle>
           <a:p>
-            <a:fld id="{C363112D-D4B8-4CDD-9A7B-73543763D652}" type="slidenum">
+            <a:fld id="{4D0F89A2-6681-4359-82F1-73475EAC7C40}" type="slidenum">
               <a:rPr lang="en-US" altLang="en-US" sz="1200"/>
               <a:pPr/>
               <a:t>4</a:t>
@@ -1484,9 +1484,9 @@
       </p:sp>
       <p:sp>
         <p:nvSpPr>
-          <p:cNvPr id="18435" name="Rectangle 1"/>
+          <p:cNvPr id="19459" name="Rectangle 1"/>
           <p:cNvSpPr txBox="1">
-            <a:spLocks noChangeArrowheads="1" noTextEdit="1"/>
+            <a:spLocks noGrp="1" noRot="1" noChangeAspect="1" noChangeArrowheads="1" noTextEdit="1"/>
           </p:cNvSpPr>
           <p:nvPr>
             <p:ph type="sldImg"/>
@@ -1501,9 +1501,9 @@
       </p:sp>
       <p:sp>
         <p:nvSpPr>
-          <p:cNvPr id="18436" name="Rectangle 2"/>
+          <p:cNvPr id="19460" name="Rectangle 2"/>
           <p:cNvSpPr txBox="1">
-            <a:spLocks noChangeArrowheads="1"/>
+            <a:spLocks noGrp="1" noChangeArrowheads="1"/>
           </p:cNvSpPr>
           <p:nvPr>
             <p:ph type="body" idx="1"/>
@@ -1542,7 +1542,7 @@
     </p:spTree>
     <p:extLst>
       <p:ext uri="{BB962C8B-B14F-4D97-AF65-F5344CB8AC3E}">
-        <p14:creationId xmlns:p14="http://schemas.microsoft.com/office/powerpoint/2010/main" val="3167706945"/>
+        <p14:creationId xmlns:p14="http://schemas.microsoft.com/office/powerpoint/2010/main" val="405552172"/>
       </p:ext>
     </p:extLst>
   </p:cSld>
@@ -1579,7 +1579,7 @@
       </p:grpSpPr>
       <p:sp>
         <p:nvSpPr>
-          <p:cNvPr id="19458" name="Rectangle 7"/>
+          <p:cNvPr id="18434" name="Rectangle 7"/>
           <p:cNvSpPr>
             <a:spLocks noGrp="1" noChangeArrowheads="1"/>
           </p:cNvSpPr>
@@ -1710,7 +1710,7 @@
             </a:lvl9pPr>
           </a:lstStyle>
           <a:p>
-            <a:fld id="{4D0F89A2-6681-4359-82F1-73475EAC7C40}" type="slidenum">
+            <a:fld id="{C363112D-D4B8-4CDD-9A7B-73543763D652}" type="slidenum">
               <a:rPr lang="en-US" altLang="en-US" sz="1200"/>
               <a:pPr/>
               <a:t>5</a:t>
@@ -1721,9 +1721,9 @@
       </p:sp>
       <p:sp>
         <p:nvSpPr>
-          <p:cNvPr id="19459" name="Rectangle 1"/>
+          <p:cNvPr id="18435" name="Rectangle 1"/>
           <p:cNvSpPr txBox="1">
-            <a:spLocks noChangeArrowheads="1" noTextEdit="1"/>
+            <a:spLocks noGrp="1" noRot="1" noChangeAspect="1" noChangeArrowheads="1" noTextEdit="1"/>
           </p:cNvSpPr>
           <p:nvPr>
             <p:ph type="sldImg"/>
@@ -1738,9 +1738,9 @@
       </p:sp>
       <p:sp>
         <p:nvSpPr>
-          <p:cNvPr id="19460" name="Rectangle 2"/>
+          <p:cNvPr id="18436" name="Rectangle 2"/>
           <p:cNvSpPr txBox="1">
-            <a:spLocks noChangeArrowheads="1"/>
+            <a:spLocks noGrp="1" noChangeArrowheads="1"/>
           </p:cNvSpPr>
           <p:nvPr>
             <p:ph type="body" idx="1"/>
@@ -1779,7 +1779,7 @@
     </p:spTree>
     <p:extLst>
       <p:ext uri="{BB962C8B-B14F-4D97-AF65-F5344CB8AC3E}">
-        <p14:creationId xmlns:p14="http://schemas.microsoft.com/office/powerpoint/2010/main" val="405552172"/>
+        <p14:creationId xmlns:p14="http://schemas.microsoft.com/office/powerpoint/2010/main" val="3167706945"/>
       </p:ext>
     </p:extLst>
   </p:cSld>
@@ -1960,7 +1960,7 @@
         <p:nvSpPr>
           <p:cNvPr id="20483" name="Rectangle 1"/>
           <p:cNvSpPr txBox="1">
-            <a:spLocks noChangeArrowheads="1" noTextEdit="1"/>
+            <a:spLocks noGrp="1" noRot="1" noChangeAspect="1" noChangeArrowheads="1" noTextEdit="1"/>
           </p:cNvSpPr>
           <p:nvPr>
             <p:ph type="sldImg"/>
@@ -1977,7 +1977,7 @@
         <p:nvSpPr>
           <p:cNvPr id="20484" name="Rectangle 2"/>
           <p:cNvSpPr txBox="1">
-            <a:spLocks noChangeArrowheads="1"/>
+            <a:spLocks noGrp="1" noChangeArrowheads="1"/>
           </p:cNvSpPr>
           <p:nvPr>
             <p:ph type="body" idx="1"/>
@@ -2280,7 +2280,7 @@
               <a:pPr>
                 <a:defRPr/>
               </a:pPr>
-              <a:t>10/28/2017</a:t>
+              <a:t>12/24/2017</a:t>
             </a:fld>
             <a:endParaRPr lang="en-US" altLang="en-US"/>
           </a:p>
@@ -2513,7 +2513,7 @@
               <a:pPr>
                 <a:defRPr/>
               </a:pPr>
-              <a:t>10/28/2017</a:t>
+              <a:t>12/24/2017</a:t>
             </a:fld>
             <a:endParaRPr lang="en-US" altLang="en-US"/>
           </a:p>
@@ -3385,7 +3385,7 @@
               <a:pPr>
                 <a:defRPr/>
               </a:pPr>
-              <a:t>10/28/2017</a:t>
+              <a:t>12/24/2017</a:t>
             </a:fld>
             <a:endParaRPr lang="en-US" altLang="en-US"/>
           </a:p>
@@ -3533,7 +3533,7 @@
               <a:pPr>
                 <a:defRPr/>
               </a:pPr>
-              <a:t>10/28/2017</a:t>
+              <a:t>12/24/2017</a:t>
             </a:fld>
             <a:endParaRPr lang="en-US" altLang="en-US"/>
           </a:p>
@@ -3863,7 +3863,7 @@
               <a:pPr>
                 <a:defRPr/>
               </a:pPr>
-              <a:t>10/28/2017</a:t>
+              <a:t>12/24/2017</a:t>
             </a:fld>
             <a:endParaRPr lang="en-US" altLang="en-US"/>
           </a:p>
@@ -4170,7 +4170,7 @@
               <a:pPr>
                 <a:defRPr/>
               </a:pPr>
-              <a:t>10/28/2017</a:t>
+              <a:t>12/24/2017</a:t>
             </a:fld>
             <a:endParaRPr lang="en-US" altLang="en-US"/>
           </a:p>
@@ -6306,14 +6306,20 @@
               </a:buBlip>
             </a:pPr>
             <a:r>
-              <a:rPr lang="en-US" altLang="en-US" sz="3200">
+              <a:rPr lang="en-US" altLang="en-US" sz="3200" dirty="0" smtClean="0">
                 <a:solidFill>
                   <a:srgbClr val="000000"/>
                 </a:solidFill>
                 <a:latin typeface="Arial" panose="020B0604020202020204" pitchFamily="34" charset="0"/>
               </a:rPr>
-              <a:t>Material Review</a:t>
+              <a:t>Review Material</a:t>
             </a:r>
+            <a:endParaRPr lang="en-US" altLang="en-US" sz="3200" dirty="0">
+              <a:solidFill>
+                <a:srgbClr val="000000"/>
+              </a:solidFill>
+              <a:latin typeface="Arial" panose="020B0604020202020204" pitchFamily="34" charset="0"/>
+            </a:endParaRPr>
           </a:p>
           <a:p>
             <a:pPr eaLnBrk="1" hangingPunct="1">
@@ -6326,7 +6332,7 @@
               </a:buBlip>
             </a:pPr>
             <a:r>
-              <a:rPr lang="en-US" altLang="en-US" sz="3200">
+              <a:rPr lang="en-US" altLang="en-US" sz="3200" dirty="0">
                 <a:solidFill>
                   <a:srgbClr val="000000"/>
                 </a:solidFill>
@@ -6346,14 +6352,20 @@
               </a:buBlip>
             </a:pPr>
             <a:r>
-              <a:rPr lang="en-US" altLang="en-US" sz="3200">
+              <a:rPr lang="en-US" altLang="en-US" sz="3200" dirty="0" smtClean="0">
                 <a:solidFill>
                   <a:srgbClr val="000000"/>
                 </a:solidFill>
                 <a:latin typeface="Arial" panose="020B0604020202020204" pitchFamily="34" charset="0"/>
               </a:rPr>
-              <a:t>Review/Discussion</a:t>
+              <a:t>Discussion</a:t>
             </a:r>
+            <a:endParaRPr lang="en-US" altLang="en-US" sz="3200" dirty="0">
+              <a:solidFill>
+                <a:srgbClr val="000000"/>
+              </a:solidFill>
+              <a:latin typeface="Arial" panose="020B0604020202020204" pitchFamily="34" charset="0"/>
+            </a:endParaRPr>
           </a:p>
         </p:txBody>
       </p:sp>
@@ -6709,7 +6721,7 @@
   <p:timing>
     <p:tnLst>
       <p:par>
-        <p:cTn id="1" dur="indefinite" nodeType="tmRoot">
+        <p:cTn id="1" dur="indefinite" restart="never" nodeType="tmRoot">
           <p:childTnLst>
             <p:seq concurrent="1" nextAc="seek">
               <p:cTn id="2" dur="0" nodeType="mainSeq"/>
@@ -6755,7 +6767,7 @@
       </p:grpSpPr>
       <p:sp>
         <p:nvSpPr>
-          <p:cNvPr id="11266" name="Text Box 1"/>
+          <p:cNvPr id="12290" name="Text Box 1"/>
           <p:cNvSpPr txBox="1">
             <a:spLocks noChangeArrowheads="1"/>
           </p:cNvSpPr>
@@ -7028,14 +7040,14 @@
                 </a:solidFill>
                 <a:latin typeface="Arial" panose="020B0604020202020204" pitchFamily="34" charset="0"/>
               </a:rPr>
-              <a:t>This Week</a:t>
+              <a:t>Summary</a:t>
             </a:r>
           </a:p>
         </p:txBody>
       </p:sp>
       <p:sp>
         <p:nvSpPr>
-          <p:cNvPr id="11267" name="Text Box 2"/>
+          <p:cNvPr id="12291" name="Text Box 2"/>
           <p:cNvSpPr txBox="1">
             <a:spLocks noChangeArrowheads="1"/>
           </p:cNvSpPr>
@@ -7043,8 +7055,8 @@
         </p:nvSpPr>
         <p:spPr bwMode="auto">
           <a:xfrm>
-            <a:off x="685800" y="1752600"/>
-            <a:ext cx="7772400" cy="4343400"/>
+            <a:off x="685800" y="1981200"/>
+            <a:ext cx="7772400" cy="4114800"/>
           </a:xfrm>
           <a:prstGeom prst="rect">
             <a:avLst/>
@@ -7097,7 +7109,7 @@
                 <a:latin typeface="Times New Roman" panose="02020603050405020304" pitchFamily="18" charset="0"/>
               </a:defRPr>
             </a:lvl1pPr>
-            <a:lvl2pPr marL="741363" indent="-284163">
+            <a:lvl2pPr marL="742950" indent="-285750">
               <a:tabLst>
                 <a:tab pos="911225" algn="l"/>
                 <a:tab pos="1825625" algn="l"/>
@@ -7292,119 +7304,42 @@
           </a:lstStyle>
           <a:p>
             <a:pPr>
-              <a:lnSpc>
-                <a:spcPct val="80000"/>
-              </a:lnSpc>
               <a:spcBef>
-                <a:spcPts val="750"/>
+                <a:spcPts val="800"/>
               </a:spcBef>
-              <a:buSzPct val="107000"/>
               <a:buFont typeface="Times New Roman" panose="02020603050405020304" pitchFamily="18" charset="0"/>
               <a:buBlip>
                 <a:blip r:embed="rId3"/>
               </a:buBlip>
             </a:pPr>
             <a:r>
-              <a:rPr lang="en-GB" altLang="en-US" sz="3000">
+              <a:rPr lang="en-GB" altLang="en-US" sz="3200">
                 <a:solidFill>
                   <a:srgbClr val="000000"/>
                 </a:solidFill>
                 <a:latin typeface="Arial" panose="020B0604020202020204" pitchFamily="34" charset="0"/>
               </a:rPr>
-              <a:t>Review Slides</a:t>
+              <a:t>Review of the Material</a:t>
             </a:r>
           </a:p>
           <a:p>
             <a:pPr>
-              <a:lnSpc>
-                <a:spcPct val="80000"/>
-              </a:lnSpc>
               <a:spcBef>
-                <a:spcPts val="750"/>
+                <a:spcPts val="800"/>
               </a:spcBef>
-              <a:buSzPct val="107000"/>
               <a:buFont typeface="Times New Roman" panose="02020603050405020304" pitchFamily="18" charset="0"/>
               <a:buBlip>
                 <a:blip r:embed="rId3"/>
               </a:buBlip>
             </a:pPr>
             <a:r>
-              <a:rPr lang="en-GB" altLang="en-US" sz="3000">
+              <a:rPr lang="en-GB" altLang="en-US" sz="3200">
                 <a:solidFill>
                   <a:srgbClr val="000000"/>
                 </a:solidFill>
                 <a:latin typeface="Arial" panose="020B0604020202020204" pitchFamily="34" charset="0"/>
               </a:rPr>
-              <a:t>Review Chapters</a:t>
-            </a:r>
-          </a:p>
-          <a:p>
-            <a:pPr>
-              <a:lnSpc>
-                <a:spcPct val="80000"/>
-              </a:lnSpc>
-              <a:spcBef>
-                <a:spcPts val="750"/>
-              </a:spcBef>
-              <a:buSzPct val="107000"/>
-              <a:buFont typeface="Times New Roman" panose="02020603050405020304" pitchFamily="18" charset="0"/>
-              <a:buBlip>
-                <a:blip r:embed="rId3"/>
-              </a:buBlip>
-            </a:pPr>
-            <a:r>
-              <a:rPr lang="en-GB" altLang="en-US" sz="3000">
-                <a:solidFill>
-                  <a:srgbClr val="000000"/>
-                </a:solidFill>
-                <a:latin typeface="Arial" panose="020B0604020202020204" pitchFamily="34" charset="0"/>
-              </a:rPr>
-              <a:t>Create a Simple Webpage</a:t>
-            </a:r>
-          </a:p>
-          <a:p>
-            <a:pPr lvl="1">
-              <a:lnSpc>
-                <a:spcPct val="80000"/>
-              </a:lnSpc>
-              <a:spcBef>
-                <a:spcPts val="650"/>
-              </a:spcBef>
-              <a:buFont typeface="Wingdings 3" panose="05040102010807070707" pitchFamily="18" charset="2"/>
-              <a:buChar char=""/>
-            </a:pPr>
-            <a:r>
-              <a:rPr lang="en-GB" altLang="en-US" sz="2600">
-                <a:solidFill>
-                  <a:srgbClr val="000000"/>
-                </a:solidFill>
-                <a:latin typeface="Arial" panose="020B0604020202020204" pitchFamily="34" charset="0"/>
-              </a:rPr>
-              <a:t>Update GitHub Account/Webpage</a:t>
-            </a:r>
-          </a:p>
-          <a:p>
-            <a:pPr>
-              <a:lnSpc>
-                <a:spcPct val="80000"/>
-              </a:lnSpc>
-              <a:spcBef>
-                <a:spcPts val="750"/>
-              </a:spcBef>
-              <a:buSzPct val="107000"/>
-              <a:buFont typeface="Arial" panose="020B0604020202020204" pitchFamily="34" charset="0"/>
-              <a:buBlip>
-                <a:blip r:embed="rId3"/>
-              </a:buBlip>
-            </a:pPr>
-            <a:r>
-              <a:rPr lang="en-GB" altLang="en-US" sz="3000" b="1" u="sng">
-                <a:solidFill>
-                  <a:srgbClr val="000000"/>
-                </a:solidFill>
-                <a:latin typeface="Arial" panose="020B0604020202020204" pitchFamily="34" charset="0"/>
-              </a:rPr>
-              <a:t>Start Early</a:t>
+              <a:t>Hands-On/Practical</a:t>
             </a:r>
           </a:p>
         </p:txBody>
@@ -7418,7 +7353,7 @@
   <p:timing>
     <p:tnLst>
       <p:par>
-        <p:cTn id="1" dur="indefinite" nodeType="tmRoot">
+        <p:cTn id="1" dur="indefinite" restart="never" nodeType="tmRoot">
           <p:childTnLst>
             <p:seq concurrent="1" nextAc="seek">
               <p:cTn id="2" dur="0" nodeType="mainSeq"/>
@@ -7464,7 +7399,7 @@
       </p:grpSpPr>
       <p:sp>
         <p:nvSpPr>
-          <p:cNvPr id="12290" name="Text Box 1"/>
+          <p:cNvPr id="11266" name="Text Box 1"/>
           <p:cNvSpPr txBox="1">
             <a:spLocks noChangeArrowheads="1"/>
           </p:cNvSpPr>
@@ -7737,14 +7672,14 @@
                 </a:solidFill>
                 <a:latin typeface="Arial" panose="020B0604020202020204" pitchFamily="34" charset="0"/>
               </a:rPr>
-              <a:t>Summary</a:t>
+              <a:t>This Week</a:t>
             </a:r>
           </a:p>
         </p:txBody>
       </p:sp>
       <p:sp>
         <p:nvSpPr>
-          <p:cNvPr id="12291" name="Text Box 2"/>
+          <p:cNvPr id="11267" name="Text Box 2"/>
           <p:cNvSpPr txBox="1">
             <a:spLocks noChangeArrowheads="1"/>
           </p:cNvSpPr>
@@ -7752,8 +7687,8 @@
         </p:nvSpPr>
         <p:spPr bwMode="auto">
           <a:xfrm>
-            <a:off x="685800" y="1981200"/>
-            <a:ext cx="7772400" cy="4114800"/>
+            <a:off x="685800" y="1752600"/>
+            <a:ext cx="7772400" cy="4343400"/>
           </a:xfrm>
           <a:prstGeom prst="rect">
             <a:avLst/>
@@ -7806,7 +7741,7 @@
                 <a:latin typeface="Times New Roman" panose="02020603050405020304" pitchFamily="18" charset="0"/>
               </a:defRPr>
             </a:lvl1pPr>
-            <a:lvl2pPr marL="742950" indent="-285750">
+            <a:lvl2pPr marL="741363" indent="-284163">
               <a:tabLst>
                 <a:tab pos="911225" algn="l"/>
                 <a:tab pos="1825625" algn="l"/>
@@ -8001,42 +7936,104 @@
           </a:lstStyle>
           <a:p>
             <a:pPr>
+              <a:lnSpc>
+                <a:spcPct val="80000"/>
+              </a:lnSpc>
               <a:spcBef>
-                <a:spcPts val="800"/>
+                <a:spcPts val="750"/>
               </a:spcBef>
+              <a:buSzPct val="107000"/>
               <a:buFont typeface="Times New Roman" panose="02020603050405020304" pitchFamily="18" charset="0"/>
               <a:buBlip>
                 <a:blip r:embed="rId3"/>
               </a:buBlip>
             </a:pPr>
             <a:r>
-              <a:rPr lang="en-GB" altLang="en-US" sz="3200">
+              <a:rPr lang="en-GB" altLang="en-US" sz="3000" dirty="0">
                 <a:solidFill>
                   <a:srgbClr val="000000"/>
                 </a:solidFill>
                 <a:latin typeface="Arial" panose="020B0604020202020204" pitchFamily="34" charset="0"/>
               </a:rPr>
-              <a:t>Review of the Material</a:t>
+              <a:t>Review Slides</a:t>
             </a:r>
           </a:p>
           <a:p>
             <a:pPr>
+              <a:lnSpc>
+                <a:spcPct val="80000"/>
+              </a:lnSpc>
               <a:spcBef>
-                <a:spcPts val="800"/>
+                <a:spcPts val="750"/>
               </a:spcBef>
+              <a:buSzPct val="107000"/>
               <a:buFont typeface="Times New Roman" panose="02020603050405020304" pitchFamily="18" charset="0"/>
               <a:buBlip>
                 <a:blip r:embed="rId3"/>
               </a:buBlip>
             </a:pPr>
             <a:r>
-              <a:rPr lang="en-GB" altLang="en-US" sz="3200">
+              <a:rPr lang="en-GB" altLang="en-US" sz="3000" dirty="0">
                 <a:solidFill>
                   <a:srgbClr val="000000"/>
                 </a:solidFill>
                 <a:latin typeface="Arial" panose="020B0604020202020204" pitchFamily="34" charset="0"/>
               </a:rPr>
-              <a:t>Hands-On/Practical</a:t>
+              <a:t>Review Chapters</a:t>
+            </a:r>
+          </a:p>
+          <a:p>
+            <a:pPr>
+              <a:lnSpc>
+                <a:spcPct val="80000"/>
+              </a:lnSpc>
+              <a:spcBef>
+                <a:spcPts val="750"/>
+              </a:spcBef>
+              <a:buSzPct val="107000"/>
+              <a:buFont typeface="Times New Roman" panose="02020603050405020304" pitchFamily="18" charset="0"/>
+              <a:buBlip>
+                <a:blip r:embed="rId3"/>
+              </a:buBlip>
+            </a:pPr>
+            <a:r>
+              <a:rPr lang="en-GB" altLang="en-US" sz="3000" dirty="0">
+                <a:solidFill>
+                  <a:srgbClr val="000000"/>
+                </a:solidFill>
+                <a:latin typeface="Arial" panose="020B0604020202020204" pitchFamily="34" charset="0"/>
+              </a:rPr>
+              <a:t>Create a Simple Webpage</a:t>
+            </a:r>
+          </a:p>
+          <a:p>
+            <a:pPr lvl="1">
+              <a:lnSpc>
+                <a:spcPct val="80000"/>
+              </a:lnSpc>
+              <a:spcBef>
+                <a:spcPts val="650"/>
+              </a:spcBef>
+              <a:buFont typeface="Wingdings 3" panose="05040102010807070707" pitchFamily="18" charset="2"/>
+              <a:buChar char=""/>
+            </a:pPr>
+            <a:r>
+              <a:rPr lang="en-GB" altLang="en-US" sz="2600" dirty="0">
+                <a:solidFill>
+                  <a:srgbClr val="000000"/>
+                </a:solidFill>
+                <a:latin typeface="Arial" panose="020B0604020202020204" pitchFamily="34" charset="0"/>
+              </a:rPr>
+              <a:t>Update GitHub </a:t>
+            </a:r>
+            <a:r>
+              <a:rPr lang="en-GB" altLang="en-US" sz="2600" dirty="0" smtClean="0">
+                <a:solidFill>
+                  <a:srgbClr val="000000"/>
+                </a:solidFill>
+                <a:latin typeface="Arial" panose="020B0604020202020204" pitchFamily="34" charset="0"/>
+              </a:rPr>
+              <a:t>Account/Webpage</a:t>
             </a:r>
           </a:p>
         </p:txBody>
